--- a/Ansible.pptx
+++ b/Ansible.pptx
@@ -1087,8 +1087,8 @@
         </p:nvSpPr>
         <p:spPr>
           <a:xfrm>
-            <a:off x="381188" y="685800"/>
-            <a:ext cx="6096300" cy="3429000"/>
+            <a:off x="381000" y="685800"/>
+            <a:ext cx="6096000" cy="3429000"/>
           </a:xfrm>
           <a:custGeom>
             <a:avLst/>
@@ -2751,8 +2751,8 @@
         </p:nvSpPr>
         <p:spPr>
           <a:xfrm>
-            <a:off x="381188" y="685800"/>
-            <a:ext cx="6096300" cy="3429000"/>
+            <a:off x="381000" y="685800"/>
+            <a:ext cx="6096000" cy="3429000"/>
           </a:xfrm>
           <a:custGeom>
             <a:avLst/>
@@ -3271,8 +3271,8 @@
         </p:nvSpPr>
         <p:spPr>
           <a:xfrm>
-            <a:off x="381188" y="685800"/>
-            <a:ext cx="6096300" cy="3429000"/>
+            <a:off x="381000" y="685800"/>
+            <a:ext cx="6096000" cy="3429000"/>
           </a:xfrm>
           <a:custGeom>
             <a:avLst/>
@@ -11700,7 +11700,7 @@
               <a:buNone/>
             </a:pPr>
             <a:r>
-              <a:rPr lang="en" sz="1100" b="1">
+              <a:rPr lang="en" sz="1100" b="1" dirty="0">
                 <a:latin typeface="Arial"/>
                 <a:ea typeface="Arial"/>
                 <a:cs typeface="Arial"/>
@@ -11708,7 +11708,7 @@
               </a:rPr>
               <a:t>Command Execution:</a:t>
             </a:r>
-            <a:endParaRPr sz="1100" b="1">
+            <a:endParaRPr sz="1100" b="1" dirty="0">
               <a:latin typeface="Arial"/>
               <a:ea typeface="Arial"/>
               <a:cs typeface="Arial"/>
@@ -11728,7 +11728,7 @@
               <a:buChar char="●"/>
             </a:pPr>
             <a:r>
-              <a:rPr lang="en" sz="1100">
+              <a:rPr lang="en" sz="1100" dirty="0">
                 <a:solidFill>
                   <a:srgbClr val="188038"/>
                 </a:solidFill>
@@ -11740,7 +11740,7 @@
               <a:t>command</a:t>
             </a:r>
             <a:r>
-              <a:rPr lang="en" sz="1100">
+              <a:rPr lang="en" sz="1100" dirty="0">
                 <a:latin typeface="Arial"/>
                 <a:ea typeface="Arial"/>
                 <a:cs typeface="Arial"/>
@@ -11749,7 +11749,7 @@
               <a:t>, </a:t>
             </a:r>
             <a:r>
-              <a:rPr lang="en" sz="1100">
+              <a:rPr lang="en" sz="1100" dirty="0">
                 <a:solidFill>
                   <a:srgbClr val="188038"/>
                 </a:solidFill>
@@ -11761,7 +11761,7 @@
               <a:t>shell</a:t>
             </a:r>
             <a:r>
-              <a:rPr lang="en" sz="1100">
+              <a:rPr lang="en" sz="1100" dirty="0">
                 <a:latin typeface="Arial"/>
                 <a:ea typeface="Arial"/>
                 <a:cs typeface="Arial"/>
@@ -11769,7 +11769,7 @@
               </a:rPr>
               <a:t>, etc.</a:t>
             </a:r>
-            <a:endParaRPr sz="1100">
+            <a:endParaRPr sz="1100" dirty="0">
               <a:latin typeface="Arial"/>
               <a:ea typeface="Arial"/>
               <a:cs typeface="Arial"/>
@@ -11792,7 +11792,7 @@
               <a:buNone/>
             </a:pPr>
             <a:r>
-              <a:rPr lang="en" sz="1100">
+              <a:rPr lang="en" sz="1100" dirty="0">
                 <a:solidFill>
                   <a:srgbClr val="188038"/>
                 </a:solidFill>
@@ -11801,9 +11801,9 @@
                 <a:cs typeface="Roboto Mono"/>
                 <a:sym typeface="Roboto Mono"/>
               </a:rPr>
-              <a:t>- name: Restart Apache</a:t>
-            </a:r>
-            <a:endParaRPr sz="1100">
+              <a:t>- name: moving a file</a:t>
+            </a:r>
+            <a:endParaRPr sz="1100" dirty="0">
               <a:solidFill>
                 <a:srgbClr val="188038"/>
               </a:solidFill>
@@ -11829,7 +11829,7 @@
               <a:buNone/>
             </a:pPr>
             <a:r>
-              <a:rPr lang="en" sz="1100">
+              <a:rPr lang="en" sz="1100" dirty="0">
                 <a:solidFill>
                   <a:srgbClr val="188038"/>
                 </a:solidFill>
@@ -11838,9 +11838,9 @@
                 <a:cs typeface="Roboto Mono"/>
                 <a:sym typeface="Roboto Mono"/>
               </a:rPr>
-              <a:t>  command: systemctl restart apache2</a:t>
-            </a:r>
-            <a:endParaRPr sz="1100">
+              <a:t>  command: mv /etc/file.txt /opt</a:t>
+            </a:r>
+            <a:endParaRPr sz="1100" dirty="0">
               <a:solidFill>
                 <a:srgbClr val="188038"/>
               </a:solidFill>
@@ -11865,7 +11865,7 @@
               <a:buFont typeface="Arial"/>
               <a:buNone/>
             </a:pPr>
-            <a:endParaRPr sz="1100">
+            <a:endParaRPr sz="1100" dirty="0">
               <a:solidFill>
                 <a:srgbClr val="188038"/>
               </a:solidFill>
@@ -11891,7 +11891,7 @@
               <a:buNone/>
             </a:pPr>
             <a:r>
-              <a:rPr lang="en" sz="1100" b="1">
+              <a:rPr lang="en" sz="1100" b="1" dirty="0">
                 <a:latin typeface="Arial"/>
                 <a:ea typeface="Arial"/>
                 <a:cs typeface="Arial"/>
@@ -11899,7 +11899,7 @@
               </a:rPr>
               <a:t>File Operations:</a:t>
             </a:r>
-            <a:endParaRPr sz="1100" b="1">
+            <a:endParaRPr sz="1100" b="1" dirty="0">
               <a:latin typeface="Arial"/>
               <a:ea typeface="Arial"/>
               <a:cs typeface="Arial"/>
@@ -11919,7 +11919,7 @@
               <a:buChar char="●"/>
             </a:pPr>
             <a:r>
-              <a:rPr lang="en" sz="1100">
+              <a:rPr lang="en" sz="1100" dirty="0">
                 <a:solidFill>
                   <a:srgbClr val="188038"/>
                 </a:solidFill>
@@ -11931,7 +11931,7 @@
               <a:t>file</a:t>
             </a:r>
             <a:r>
-              <a:rPr lang="en" sz="1100">
+              <a:rPr lang="en" sz="1100" dirty="0">
                 <a:latin typeface="Arial"/>
                 <a:ea typeface="Arial"/>
                 <a:cs typeface="Arial"/>
@@ -11940,7 +11940,7 @@
               <a:t>, </a:t>
             </a:r>
             <a:r>
-              <a:rPr lang="en" sz="1100">
+              <a:rPr lang="en" sz="1100" dirty="0">
                 <a:solidFill>
                   <a:srgbClr val="188038"/>
                 </a:solidFill>
@@ -11952,7 +11952,7 @@
               <a:t>copy</a:t>
             </a:r>
             <a:r>
-              <a:rPr lang="en" sz="1100">
+              <a:rPr lang="en" sz="1100" dirty="0">
                 <a:latin typeface="Arial"/>
                 <a:ea typeface="Arial"/>
                 <a:cs typeface="Arial"/>
@@ -11961,7 +11961,7 @@
               <a:t>, </a:t>
             </a:r>
             <a:r>
-              <a:rPr lang="en" sz="1100">
+              <a:rPr lang="en" sz="1100" dirty="0">
                 <a:solidFill>
                   <a:srgbClr val="188038"/>
                 </a:solidFill>
@@ -11973,7 +11973,7 @@
               <a:t>template</a:t>
             </a:r>
             <a:r>
-              <a:rPr lang="en" sz="1100">
+              <a:rPr lang="en" sz="1100" dirty="0">
                 <a:latin typeface="Arial"/>
                 <a:ea typeface="Arial"/>
                 <a:cs typeface="Arial"/>
@@ -11981,7 +11981,7 @@
               </a:rPr>
               <a:t>, etc.</a:t>
             </a:r>
-            <a:endParaRPr sz="1100">
+            <a:endParaRPr sz="1100" dirty="0">
               <a:latin typeface="Arial"/>
               <a:ea typeface="Arial"/>
               <a:cs typeface="Arial"/>
@@ -12002,7 +12002,7 @@
               <a:buNone/>
             </a:pPr>
             <a:r>
-              <a:rPr lang="en" sz="900">
+              <a:rPr lang="en" sz="900" dirty="0">
                 <a:solidFill>
                   <a:srgbClr val="188038"/>
                 </a:solidFill>
@@ -12013,7 +12013,7 @@
               </a:rPr>
               <a:t>- name: Create a directory</a:t>
             </a:r>
-            <a:endParaRPr sz="900">
+            <a:endParaRPr sz="900" dirty="0">
               <a:solidFill>
                 <a:srgbClr val="188038"/>
               </a:solidFill>
@@ -12037,7 +12037,7 @@
               <a:buNone/>
             </a:pPr>
             <a:r>
-              <a:rPr lang="en" sz="900">
+              <a:rPr lang="en" sz="900" dirty="0">
                 <a:solidFill>
                   <a:srgbClr val="188038"/>
                 </a:solidFill>
@@ -12048,7 +12048,7 @@
               </a:rPr>
               <a:t>  file:</a:t>
             </a:r>
-            <a:endParaRPr sz="900">
+            <a:endParaRPr sz="900" dirty="0">
               <a:solidFill>
                 <a:srgbClr val="188038"/>
               </a:solidFill>
@@ -12072,7 +12072,7 @@
               <a:buNone/>
             </a:pPr>
             <a:r>
-              <a:rPr lang="en" sz="900">
+              <a:rPr lang="en" sz="900" dirty="0">
                 <a:solidFill>
                   <a:srgbClr val="188038"/>
                 </a:solidFill>
@@ -12083,7 +12083,7 @@
               </a:rPr>
               <a:t>    path: /var/www/html</a:t>
             </a:r>
-            <a:endParaRPr sz="900">
+            <a:endParaRPr sz="900" dirty="0">
               <a:solidFill>
                 <a:srgbClr val="188038"/>
               </a:solidFill>
@@ -12107,7 +12107,7 @@
               <a:buNone/>
             </a:pPr>
             <a:r>
-              <a:rPr lang="en" sz="900">
+              <a:rPr lang="en" sz="900" dirty="0">
                 <a:solidFill>
                   <a:srgbClr val="188038"/>
                 </a:solidFill>
@@ -12118,7 +12118,7 @@
               </a:rPr>
               <a:t>    state: directory</a:t>
             </a:r>
-            <a:endParaRPr sz="900">
+            <a:endParaRPr sz="900" dirty="0">
               <a:solidFill>
                 <a:srgbClr val="188038"/>
               </a:solidFill>
@@ -12142,7 +12142,7 @@
               <a:buNone/>
             </a:pPr>
             <a:r>
-              <a:rPr lang="en" sz="900">
+              <a:rPr lang="en" sz="900" dirty="0">
                 <a:solidFill>
                   <a:srgbClr val="188038"/>
                 </a:solidFill>
@@ -12153,7 +12153,7 @@
               </a:rPr>
               <a:t>    owner: www-data</a:t>
             </a:r>
-            <a:endParaRPr sz="900">
+            <a:endParaRPr sz="900" dirty="0">
               <a:solidFill>
                 <a:srgbClr val="188038"/>
               </a:solidFill>
@@ -12177,7 +12177,7 @@
               <a:buNone/>
             </a:pPr>
             <a:r>
-              <a:rPr lang="en" sz="900">
+              <a:rPr lang="en" sz="900" dirty="0">
                 <a:solidFill>
                   <a:srgbClr val="188038"/>
                 </a:solidFill>
@@ -12188,7 +12188,7 @@
               </a:rPr>
               <a:t>    group: www-data</a:t>
             </a:r>
-            <a:endParaRPr sz="1100">
+            <a:endParaRPr sz="1100" dirty="0">
               <a:solidFill>
                 <a:srgbClr val="188038"/>
               </a:solidFill>
@@ -12213,7 +12213,7 @@
               <a:buFont typeface="Arial"/>
               <a:buNone/>
             </a:pPr>
-            <a:endParaRPr sz="1100">
+            <a:endParaRPr sz="1100" dirty="0">
               <a:solidFill>
                 <a:srgbClr val="188038"/>
               </a:solidFill>
@@ -12236,7 +12236,7 @@
               </a:spcAft>
               <a:buNone/>
             </a:pPr>
-            <a:endParaRPr sz="1100" b="1">
+            <a:endParaRPr sz="1100" b="1" dirty="0">
               <a:latin typeface="Arial"/>
               <a:ea typeface="Arial"/>
               <a:cs typeface="Arial"/>
@@ -12253,7 +12253,7 @@
               </a:spcAft>
               <a:buNone/>
             </a:pPr>
-            <a:endParaRPr sz="1100">
+            <a:endParaRPr sz="1100" dirty="0">
               <a:latin typeface="Arial"/>
               <a:ea typeface="Arial"/>
               <a:cs typeface="Arial"/>
@@ -12273,7 +12273,7 @@
               </a:spcAft>
               <a:buNone/>
             </a:pPr>
-            <a:endParaRPr sz="900">
+            <a:endParaRPr sz="900" dirty="0">
               <a:solidFill>
                 <a:srgbClr val="188038"/>
               </a:solidFill>
@@ -12293,7 +12293,7 @@
               </a:spcAft>
               <a:buNone/>
             </a:pPr>
-            <a:endParaRPr sz="1100">
+            <a:endParaRPr sz="1100" dirty="0">
               <a:latin typeface="Arial"/>
               <a:ea typeface="Arial"/>
               <a:cs typeface="Arial"/>
@@ -12310,7 +12310,7 @@
               </a:spcAft>
               <a:buNone/>
             </a:pPr>
-            <a:endParaRPr sz="900">
+            <a:endParaRPr sz="900" dirty="0">
               <a:solidFill>
                 <a:srgbClr val="188038"/>
               </a:solidFill>
@@ -17380,7 +17380,7 @@
               <a:buNone/>
             </a:pPr>
             <a:r>
-              <a:rPr lang="en" sz="1100" b="1">
+              <a:rPr lang="en" sz="1100" b="1" dirty="0">
                 <a:latin typeface="Arial"/>
                 <a:ea typeface="Arial"/>
                 <a:cs typeface="Arial"/>
@@ -17388,7 +17388,7 @@
               </a:rPr>
               <a:t>Iterating Over Registered Variables</a:t>
             </a:r>
-            <a:endParaRPr sz="1100" b="1">
+            <a:endParaRPr sz="1100" b="1" dirty="0">
               <a:latin typeface="Arial"/>
               <a:ea typeface="Arial"/>
               <a:cs typeface="Arial"/>
@@ -17406,7 +17406,7 @@
               <a:buNone/>
             </a:pPr>
             <a:r>
-              <a:rPr lang="en" sz="1100">
+              <a:rPr lang="en" sz="1100" dirty="0">
                 <a:latin typeface="Arial"/>
                 <a:ea typeface="Arial"/>
                 <a:cs typeface="Arial"/>
@@ -17414,7 +17414,7 @@
               </a:rPr>
               <a:t>Use loops with data gathered dynamically.</a:t>
             </a:r>
-            <a:endParaRPr sz="1100">
+            <a:endParaRPr sz="1100" dirty="0">
               <a:latin typeface="Arial"/>
               <a:ea typeface="Arial"/>
               <a:cs typeface="Arial"/>
@@ -17435,7 +17435,7 @@
               <a:buNone/>
             </a:pPr>
             <a:r>
-              <a:rPr lang="en" sz="900">
+              <a:rPr lang="en" sz="900" dirty="0">
                 <a:solidFill>
                   <a:srgbClr val="188038"/>
                 </a:solidFill>
@@ -17446,7 +17446,7 @@
               </a:rPr>
               <a:t>- name: Fetch all files in a directory</a:t>
             </a:r>
-            <a:endParaRPr sz="900">
+            <a:endParaRPr sz="900" dirty="0">
               <a:solidFill>
                 <a:srgbClr val="188038"/>
               </a:solidFill>
@@ -17470,7 +17470,7 @@
               <a:buNone/>
             </a:pPr>
             <a:r>
-              <a:rPr lang="en" sz="900">
+              <a:rPr lang="en" sz="900" dirty="0">
                 <a:solidFill>
                   <a:srgbClr val="188038"/>
                 </a:solidFill>
@@ -17481,7 +17481,7 @@
               </a:rPr>
               <a:t>  shell: ls /path/to/files</a:t>
             </a:r>
-            <a:endParaRPr sz="900">
+            <a:endParaRPr sz="900" dirty="0">
               <a:solidFill>
                 <a:srgbClr val="188038"/>
               </a:solidFill>
@@ -17505,7 +17505,7 @@
               <a:buNone/>
             </a:pPr>
             <a:r>
-              <a:rPr lang="en" sz="900">
+              <a:rPr lang="en" sz="900" dirty="0">
                 <a:solidFill>
                   <a:srgbClr val="188038"/>
                 </a:solidFill>
@@ -17516,7 +17516,7 @@
               </a:rPr>
               <a:t>  register: file_list</a:t>
             </a:r>
-            <a:endParaRPr sz="900">
+            <a:endParaRPr sz="900" dirty="0">
               <a:solidFill>
                 <a:srgbClr val="188038"/>
               </a:solidFill>
@@ -17539,7 +17539,7 @@
               </a:spcAft>
               <a:buNone/>
             </a:pPr>
-            <a:endParaRPr sz="900">
+            <a:endParaRPr sz="900" dirty="0">
               <a:solidFill>
                 <a:srgbClr val="188038"/>
               </a:solidFill>
@@ -17563,7 +17563,7 @@
               <a:buNone/>
             </a:pPr>
             <a:r>
-              <a:rPr lang="en" sz="900">
+              <a:rPr lang="en" sz="900" dirty="0">
                 <a:solidFill>
                   <a:srgbClr val="188038"/>
                 </a:solidFill>
@@ -17574,7 +17574,7 @@
               </a:rPr>
               <a:t>- name: Print each file name</a:t>
             </a:r>
-            <a:endParaRPr sz="900">
+            <a:endParaRPr sz="900" dirty="0">
               <a:solidFill>
                 <a:srgbClr val="188038"/>
               </a:solidFill>
@@ -17598,7 +17598,7 @@
               <a:buNone/>
             </a:pPr>
             <a:r>
-              <a:rPr lang="en" sz="900">
+              <a:rPr lang="en" sz="900" dirty="0">
                 <a:solidFill>
                   <a:srgbClr val="188038"/>
                 </a:solidFill>
@@ -17609,7 +17609,7 @@
               </a:rPr>
               <a:t>  debug:</a:t>
             </a:r>
-            <a:endParaRPr sz="900">
+            <a:endParaRPr sz="900" dirty="0">
               <a:solidFill>
                 <a:srgbClr val="188038"/>
               </a:solidFill>
@@ -17633,7 +17633,7 @@
               <a:buNone/>
             </a:pPr>
             <a:r>
-              <a:rPr lang="en" sz="900">
+              <a:rPr lang="en" sz="900" dirty="0">
                 <a:solidFill>
                   <a:srgbClr val="188038"/>
                 </a:solidFill>
@@ -17644,7 +17644,7 @@
               </a:rPr>
               <a:t>    msg: "File: {{ item }}"</a:t>
             </a:r>
-            <a:endParaRPr sz="900">
+            <a:endParaRPr sz="900" dirty="0">
               <a:solidFill>
                 <a:srgbClr val="188038"/>
               </a:solidFill>
@@ -17668,7 +17668,7 @@
               <a:buNone/>
             </a:pPr>
             <a:r>
-              <a:rPr lang="en" sz="900">
+              <a:rPr lang="en" sz="900" dirty="0">
                 <a:solidFill>
                   <a:srgbClr val="188038"/>
                 </a:solidFill>
@@ -17680,7 +17680,7 @@
               <a:t>  loop: "{{ file_list.stdout_lines }}</a:t>
             </a:r>
             <a:r>
-              <a:rPr lang="en" sz="1100">
+              <a:rPr lang="en" sz="1100" dirty="0">
                 <a:solidFill>
                   <a:srgbClr val="188038"/>
                 </a:solidFill>
@@ -17691,7 +17691,7 @@
               </a:rPr>
               <a:t>"</a:t>
             </a:r>
-            <a:endParaRPr sz="1100">
+            <a:endParaRPr sz="1100" dirty="0">
               <a:solidFill>
                 <a:srgbClr val="188038"/>
               </a:solidFill>
@@ -17714,7 +17714,7 @@
               </a:spcAft>
               <a:buNone/>
             </a:pPr>
-            <a:endParaRPr sz="1100" b="1">
+            <a:endParaRPr sz="1100" b="1" dirty="0">
               <a:latin typeface="Arial"/>
               <a:ea typeface="Arial"/>
               <a:cs typeface="Arial"/>
@@ -17731,7 +17731,7 @@
               </a:spcAft>
               <a:buNone/>
             </a:pPr>
-            <a:endParaRPr sz="1100">
+            <a:endParaRPr sz="1100" dirty="0">
               <a:solidFill>
                 <a:srgbClr val="188038"/>
               </a:solidFill>
@@ -17754,7 +17754,7 @@
               </a:spcAft>
               <a:buNone/>
             </a:pPr>
-            <a:endParaRPr sz="1100" b="1">
+            <a:endParaRPr sz="1100" b="1" dirty="0">
               <a:latin typeface="Arial"/>
               <a:ea typeface="Arial"/>
               <a:cs typeface="Arial"/>
@@ -17774,7 +17774,7 @@
               </a:spcAft>
               <a:buNone/>
             </a:pPr>
-            <a:endParaRPr sz="1100" b="1">
+            <a:endParaRPr sz="1100" b="1" dirty="0">
               <a:latin typeface="Arial"/>
               <a:ea typeface="Arial"/>
               <a:cs typeface="Arial"/>
@@ -17791,7 +17791,7 @@
               </a:spcAft>
               <a:buNone/>
             </a:pPr>
-            <a:endParaRPr sz="1100">
+            <a:endParaRPr sz="1100" dirty="0">
               <a:latin typeface="Arial"/>
               <a:ea typeface="Arial"/>
               <a:cs typeface="Arial"/>
@@ -17811,7 +17811,7 @@
               </a:spcAft>
               <a:buNone/>
             </a:pPr>
-            <a:endParaRPr sz="900">
+            <a:endParaRPr sz="900" dirty="0">
               <a:solidFill>
                 <a:srgbClr val="188038"/>
               </a:solidFill>
@@ -17831,7 +17831,7 @@
               </a:spcAft>
               <a:buNone/>
             </a:pPr>
-            <a:endParaRPr sz="1100">
+            <a:endParaRPr sz="1100" dirty="0">
               <a:latin typeface="Arial"/>
               <a:ea typeface="Arial"/>
               <a:cs typeface="Arial"/>
@@ -17848,7 +17848,7 @@
               </a:spcAft>
               <a:buNone/>
             </a:pPr>
-            <a:endParaRPr sz="900">
+            <a:endParaRPr sz="900" dirty="0">
               <a:solidFill>
                 <a:srgbClr val="188038"/>
               </a:solidFill>
@@ -23025,7 +23025,7 @@
               <a:buNone/>
             </a:pPr>
             <a:r>
-              <a:rPr lang="en" sz="1100" b="1">
+              <a:rPr lang="en" sz="1100" b="1" dirty="0">
                 <a:latin typeface="Arial"/>
                 <a:ea typeface="Arial"/>
                 <a:cs typeface="Arial"/>
@@ -23034,7 +23034,7 @@
               <a:t>Roles</a:t>
             </a:r>
             <a:r>
-              <a:rPr lang="en" sz="1100">
+              <a:rPr lang="en" sz="1100" dirty="0">
                 <a:latin typeface="Arial"/>
                 <a:ea typeface="Arial"/>
                 <a:cs typeface="Arial"/>
@@ -23042,7 +23042,7 @@
               </a:rPr>
               <a:t> in Ansible are a way of organizing playbooks into reusable components. They allow you to organize your tasks, variables, templates, files, handlers, and other components in a structured way, making your playbooks more modular, maintainable, and scalable.</a:t>
             </a:r>
-            <a:endParaRPr sz="1100">
+            <a:endParaRPr sz="1100" dirty="0">
               <a:latin typeface="Arial"/>
               <a:ea typeface="Arial"/>
               <a:cs typeface="Arial"/>
@@ -23063,7 +23063,7 @@
               <a:buNone/>
             </a:pPr>
             <a:r>
-              <a:rPr lang="en" sz="1100">
+              <a:rPr lang="en" sz="1100" dirty="0">
                 <a:latin typeface="Arial"/>
                 <a:ea typeface="Arial"/>
                 <a:cs typeface="Arial"/>
@@ -23072,7 +23072,7 @@
               <a:t>A role is essentially a directory with a specific structure that Ansible understands, and it can contain tasks, variables, files, templates, and other related elements</a:t>
             </a:r>
             <a:r>
-              <a:rPr lang="en" sz="1300" b="1">
+              <a:rPr lang="en" sz="1300" b="1" dirty="0">
                 <a:latin typeface="Arial"/>
                 <a:ea typeface="Arial"/>
                 <a:cs typeface="Arial"/>
@@ -23081,7 +23081,7 @@
               <a:t>.</a:t>
             </a:r>
             <a:br>
-              <a:rPr lang="en" sz="1300" b="1">
+              <a:rPr lang="en" sz="1300" b="1" dirty="0">
                 <a:latin typeface="Arial"/>
                 <a:ea typeface="Arial"/>
                 <a:cs typeface="Arial"/>
@@ -23089,7 +23089,7 @@
               </a:rPr>
             </a:br>
             <a:br>
-              <a:rPr lang="en" sz="1300" b="1">
+              <a:rPr lang="en" sz="1300" b="1" dirty="0">
                 <a:latin typeface="Arial"/>
                 <a:ea typeface="Arial"/>
                 <a:cs typeface="Arial"/>
@@ -23097,7 +23097,7 @@
               </a:rPr>
             </a:br>
             <a:r>
-              <a:rPr lang="en" sz="1300" b="1">
+              <a:rPr lang="en" sz="1300" b="1" dirty="0">
                 <a:latin typeface="Arial"/>
                 <a:ea typeface="Arial"/>
                 <a:cs typeface="Arial"/>
@@ -23105,7 +23105,7 @@
               </a:rPr>
               <a:t>How to Use a Role in a Playbook</a:t>
             </a:r>
-            <a:endParaRPr sz="1100">
+            <a:endParaRPr sz="1100" dirty="0">
               <a:latin typeface="Arial"/>
               <a:ea typeface="Arial"/>
               <a:cs typeface="Arial"/>
@@ -23126,7 +23126,7 @@
               <a:buNone/>
             </a:pPr>
             <a:r>
-              <a:rPr lang="en" sz="900">
+              <a:rPr lang="en" sz="900" dirty="0">
                 <a:solidFill>
                   <a:srgbClr val="188038"/>
                 </a:solidFill>
@@ -23137,7 +23137,7 @@
               </a:rPr>
               <a:t>---</a:t>
             </a:r>
-            <a:endParaRPr sz="900">
+            <a:endParaRPr sz="900" dirty="0">
               <a:solidFill>
                 <a:srgbClr val="188038"/>
               </a:solidFill>
@@ -23161,7 +23161,7 @@
               <a:buNone/>
             </a:pPr>
             <a:r>
-              <a:rPr lang="en" sz="900">
+              <a:rPr lang="en" sz="900" dirty="0">
                 <a:solidFill>
                   <a:srgbClr val="188038"/>
                 </a:solidFill>
@@ -23172,7 +23172,7 @@
               </a:rPr>
               <a:t>- name: Configure web servers</a:t>
             </a:r>
-            <a:endParaRPr sz="900">
+            <a:endParaRPr sz="900" dirty="0">
               <a:solidFill>
                 <a:srgbClr val="188038"/>
               </a:solidFill>
@@ -23196,7 +23196,7 @@
               <a:buNone/>
             </a:pPr>
             <a:r>
-              <a:rPr lang="en" sz="900">
+              <a:rPr lang="en" sz="900" dirty="0">
                 <a:solidFill>
                   <a:srgbClr val="188038"/>
                 </a:solidFill>
@@ -23207,7 +23207,7 @@
               </a:rPr>
               <a:t>  hosts: webservers</a:t>
             </a:r>
-            <a:endParaRPr sz="900">
+            <a:endParaRPr sz="900" dirty="0">
               <a:solidFill>
                 <a:srgbClr val="188038"/>
               </a:solidFill>
@@ -23231,7 +23231,7 @@
               <a:buNone/>
             </a:pPr>
             <a:r>
-              <a:rPr lang="en" sz="900">
+              <a:rPr lang="en" sz="900" dirty="0">
                 <a:solidFill>
                   <a:srgbClr val="188038"/>
                 </a:solidFill>
@@ -23242,7 +23242,7 @@
               </a:rPr>
               <a:t>  become: yes</a:t>
             </a:r>
-            <a:endParaRPr sz="900">
+            <a:endParaRPr sz="900" dirty="0">
               <a:solidFill>
                 <a:srgbClr val="188038"/>
               </a:solidFill>
@@ -23266,7 +23266,7 @@
               <a:buNone/>
             </a:pPr>
             <a:r>
-              <a:rPr lang="en" sz="900">
+              <a:rPr lang="en" sz="900" dirty="0">
                 <a:solidFill>
                   <a:srgbClr val="188038"/>
                 </a:solidFill>
@@ -23277,7 +23277,7 @@
               </a:rPr>
               <a:t>  roles:</a:t>
             </a:r>
-            <a:endParaRPr sz="900">
+            <a:endParaRPr sz="900" dirty="0">
               <a:solidFill>
                 <a:srgbClr val="188038"/>
               </a:solidFill>
@@ -23301,7 +23301,7 @@
               <a:buNone/>
             </a:pPr>
             <a:r>
-              <a:rPr lang="en" sz="900">
+              <a:rPr lang="en" sz="900" dirty="0">
                 <a:solidFill>
                   <a:srgbClr val="188038"/>
                 </a:solidFill>
@@ -23312,7 +23312,21 @@
               </a:rPr>
               <a:t>    - webserver</a:t>
             </a:r>
-            <a:endParaRPr sz="1100">
+          </a:p>
+          <a:p>
+            <a:pPr marL="0" marR="0" lvl="0" indent="0" algn="l" rtl="0">
+              <a:lnSpc>
+                <a:spcPct val="115000"/>
+              </a:lnSpc>
+              <a:spcBef>
+                <a:spcPts val="0"/>
+              </a:spcBef>
+              <a:spcAft>
+                <a:spcPts val="0"/>
+              </a:spcAft>
+              <a:buNone/>
+            </a:pPr>
+            <a:endParaRPr lang="en" sz="900" dirty="0">
               <a:solidFill>
                 <a:srgbClr val="188038"/>
               </a:solidFill>
@@ -23333,6 +23347,77 @@
               <a:spcAft>
                 <a:spcPts val="0"/>
               </a:spcAft>
+              <a:buNone/>
+            </a:pPr>
+            <a:r>
+              <a:rPr lang="en" sz="900" dirty="0">
+                <a:solidFill>
+                  <a:srgbClr val="188038"/>
+                </a:solidFill>
+                <a:latin typeface="Roboto Mono"/>
+                <a:ea typeface="Roboto Mono"/>
+                <a:cs typeface="Roboto Mono"/>
+                <a:sym typeface="Roboto Mono"/>
+              </a:rPr>
+              <a:t>Command to create via galaxy: </a:t>
+            </a:r>
+            <a:r>
+              <a:rPr lang="en-IN" sz="900" dirty="0">
+                <a:solidFill>
+                  <a:srgbClr val="188038"/>
+                </a:solidFill>
+                <a:latin typeface="Roboto Mono"/>
+                <a:ea typeface="Roboto Mono"/>
+                <a:cs typeface="Roboto Mono"/>
+                <a:sym typeface="Roboto Mono"/>
+              </a:rPr>
+              <a:t>ansible-galaxy </a:t>
+            </a:r>
+            <a:r>
+              <a:rPr lang="en-IN" sz="900" dirty="0" err="1">
+                <a:solidFill>
+                  <a:srgbClr val="188038"/>
+                </a:solidFill>
+                <a:latin typeface="Roboto Mono"/>
+                <a:ea typeface="Roboto Mono"/>
+                <a:cs typeface="Roboto Mono"/>
+                <a:sym typeface="Roboto Mono"/>
+              </a:rPr>
+              <a:t>init</a:t>
+            </a:r>
+            <a:r>
+              <a:rPr lang="en-IN" sz="900" dirty="0">
+                <a:solidFill>
+                  <a:srgbClr val="188038"/>
+                </a:solidFill>
+                <a:latin typeface="Roboto Mono"/>
+                <a:ea typeface="Roboto Mono"/>
+                <a:cs typeface="Roboto Mono"/>
+                <a:sym typeface="Roboto Mono"/>
+              </a:rPr>
+              <a:t> test-role</a:t>
+            </a:r>
+            <a:endParaRPr sz="1100" dirty="0">
+              <a:solidFill>
+                <a:srgbClr val="188038"/>
+              </a:solidFill>
+              <a:latin typeface="Roboto Mono"/>
+              <a:ea typeface="Roboto Mono"/>
+              <a:cs typeface="Roboto Mono"/>
+              <a:sym typeface="Roboto Mono"/>
+            </a:endParaRPr>
+          </a:p>
+          <a:p>
+            <a:pPr marL="0" marR="0" lvl="0" indent="0" algn="l" rtl="0">
+              <a:lnSpc>
+                <a:spcPct val="115000"/>
+              </a:lnSpc>
+              <a:spcBef>
+                <a:spcPts val="0"/>
+              </a:spcBef>
+              <a:spcAft>
+                <a:spcPts val="0"/>
+              </a:spcAft>
               <a:buClr>
                 <a:schemeClr val="dk1"/>
               </a:buClr>
@@ -23340,7 +23425,7 @@
               <a:buFont typeface="Arial"/>
               <a:buNone/>
             </a:pPr>
-            <a:endParaRPr sz="1300" b="1">
+            <a:endParaRPr sz="1300" b="1" dirty="0">
               <a:latin typeface="Arial"/>
               <a:ea typeface="Arial"/>
               <a:cs typeface="Arial"/>
@@ -25565,45 +25650,279 @@
               <a:buNone/>
             </a:pPr>
             <a:r>
+              <a:rPr lang="en" sz="1100" b="1" dirty="0">
+                <a:latin typeface="Arial"/>
+                <a:ea typeface="Arial"/>
+                <a:cs typeface="Arial"/>
+                <a:sym typeface="Arial"/>
+              </a:rPr>
+              <a:t>Command-line variables (</a:t>
+            </a:r>
+            <a:r>
+              <a:rPr lang="en" sz="1100" b="1" dirty="0">
+                <a:solidFill>
+                  <a:srgbClr val="188038"/>
+                </a:solidFill>
+                <a:latin typeface="Roboto Mono"/>
+                <a:ea typeface="Roboto Mono"/>
+                <a:cs typeface="Roboto Mono"/>
+                <a:sym typeface="Roboto Mono"/>
+              </a:rPr>
+              <a:t>--extra-vars</a:t>
+            </a:r>
+            <a:r>
+              <a:rPr lang="en" sz="1100" b="1" dirty="0">
+                <a:latin typeface="Arial"/>
+                <a:ea typeface="Arial"/>
+                <a:cs typeface="Arial"/>
+                <a:sym typeface="Arial"/>
+              </a:rPr>
+              <a:t>)</a:t>
+            </a:r>
+            <a:r>
+              <a:rPr lang="en" sz="1100" dirty="0">
+                <a:latin typeface="Arial"/>
+                <a:ea typeface="Arial"/>
+                <a:cs typeface="Arial"/>
+                <a:sym typeface="Arial"/>
+              </a:rPr>
+              <a:t> – Highest precedence // </a:t>
+            </a:r>
+            <a:r>
+              <a:rPr lang="en" sz="1100" dirty="0">
+                <a:solidFill>
+                  <a:srgbClr val="FF0000"/>
+                </a:solidFill>
+                <a:latin typeface="Arial"/>
+                <a:ea typeface="Arial"/>
+                <a:cs typeface="Arial"/>
+                <a:sym typeface="Arial"/>
+              </a:rPr>
+              <a:t>Not prescribed because the ideal/standard approach should always be to preserve everything in a file</a:t>
+            </a:r>
+            <a:endParaRPr sz="1100" dirty="0">
+              <a:solidFill>
+                <a:srgbClr val="FF0000"/>
+              </a:solidFill>
+              <a:latin typeface="Arial"/>
+              <a:ea typeface="Arial"/>
+              <a:cs typeface="Arial"/>
+              <a:sym typeface="Arial"/>
+            </a:endParaRPr>
+          </a:p>
+          <a:p>
+            <a:pPr marL="0" lvl="0" indent="0" algn="l" rtl="0">
+              <a:spcBef>
+                <a:spcPts val="0"/>
+              </a:spcBef>
+              <a:spcAft>
+                <a:spcPts val="0"/>
+              </a:spcAft>
+              <a:buClr>
+                <a:schemeClr val="dk1"/>
+              </a:buClr>
+              <a:buSzPts val="1100"/>
+              <a:buFont typeface="Arial"/>
+              <a:buNone/>
+            </a:pPr>
+            <a:endParaRPr sz="1100" dirty="0">
+              <a:latin typeface="Arial"/>
+              <a:ea typeface="Arial"/>
+              <a:cs typeface="Arial"/>
+              <a:sym typeface="Arial"/>
+            </a:endParaRPr>
+          </a:p>
+          <a:p>
+            <a:pPr marL="0" lvl="0" indent="0" algn="l" rtl="0">
+              <a:spcBef>
+                <a:spcPts val="0"/>
+              </a:spcBef>
+              <a:spcAft>
+                <a:spcPts val="0"/>
+              </a:spcAft>
+              <a:buNone/>
+            </a:pPr>
+            <a:r>
+              <a:rPr lang="en" sz="1100" b="1" dirty="0">
+                <a:latin typeface="Arial"/>
+                <a:ea typeface="Arial"/>
+                <a:cs typeface="Arial"/>
+                <a:sym typeface="Arial"/>
+              </a:rPr>
+              <a:t>Playbook variables (</a:t>
+            </a:r>
+            <a:r>
+              <a:rPr lang="en" sz="1100" b="1" dirty="0">
+                <a:solidFill>
+                  <a:srgbClr val="188038"/>
+                </a:solidFill>
+                <a:latin typeface="Roboto Mono"/>
+                <a:ea typeface="Roboto Mono"/>
+                <a:cs typeface="Roboto Mono"/>
+                <a:sym typeface="Roboto Mono"/>
+              </a:rPr>
+              <a:t>vars</a:t>
+            </a:r>
+            <a:r>
+              <a:rPr lang="en" sz="1100" b="1" dirty="0">
+                <a:latin typeface="Arial"/>
+                <a:ea typeface="Arial"/>
+                <a:cs typeface="Arial"/>
+                <a:sym typeface="Arial"/>
+              </a:rPr>
+              <a:t> section)</a:t>
+            </a:r>
+            <a:endParaRPr sz="1100" b="1" dirty="0">
+              <a:latin typeface="Arial"/>
+              <a:ea typeface="Arial"/>
+              <a:cs typeface="Arial"/>
+              <a:sym typeface="Arial"/>
+            </a:endParaRPr>
+          </a:p>
+          <a:p>
+            <a:pPr marL="0" lvl="0" indent="0" algn="l" rtl="0">
+              <a:spcBef>
+                <a:spcPts val="0"/>
+              </a:spcBef>
+              <a:spcAft>
+                <a:spcPts val="0"/>
+              </a:spcAft>
+              <a:buClr>
+                <a:schemeClr val="dk1"/>
+              </a:buClr>
+              <a:buSzPts val="1100"/>
+              <a:buFont typeface="Arial"/>
+              <a:buNone/>
+            </a:pPr>
+            <a:endParaRPr sz="1100" b="1" dirty="0">
+              <a:latin typeface="Arial"/>
+              <a:ea typeface="Arial"/>
+              <a:cs typeface="Arial"/>
+              <a:sym typeface="Arial"/>
+            </a:endParaRPr>
+          </a:p>
+          <a:p>
+            <a:pPr marL="0" lvl="0" indent="0" algn="l" rtl="0">
+              <a:spcBef>
+                <a:spcPts val="0"/>
+              </a:spcBef>
+              <a:spcAft>
+                <a:spcPts val="0"/>
+              </a:spcAft>
+              <a:buNone/>
+            </a:pPr>
+            <a:r>
+              <a:rPr lang="en" sz="1100" b="1" dirty="0">
+                <a:latin typeface="Arial"/>
+                <a:ea typeface="Arial"/>
+                <a:cs typeface="Arial"/>
+                <a:sym typeface="Arial"/>
+              </a:rPr>
+              <a:t>Host variables (</a:t>
+            </a:r>
+            <a:r>
+              <a:rPr lang="en" sz="1100" b="1" dirty="0">
+                <a:solidFill>
+                  <a:srgbClr val="188038"/>
+                </a:solidFill>
+                <a:latin typeface="Roboto Mono"/>
+                <a:ea typeface="Roboto Mono"/>
+                <a:cs typeface="Roboto Mono"/>
+                <a:sym typeface="Roboto Mono"/>
+              </a:rPr>
+              <a:t>host_vars</a:t>
+            </a:r>
+            <a:r>
+              <a:rPr lang="en" sz="1100" b="1" dirty="0">
+                <a:latin typeface="Arial"/>
+                <a:ea typeface="Arial"/>
+                <a:cs typeface="Arial"/>
+                <a:sym typeface="Arial"/>
+              </a:rPr>
+              <a:t>)</a:t>
+            </a:r>
+            <a:endParaRPr sz="1100" b="1" dirty="0">
+              <a:latin typeface="Arial"/>
+              <a:ea typeface="Arial"/>
+              <a:cs typeface="Arial"/>
+              <a:sym typeface="Arial"/>
+            </a:endParaRPr>
+          </a:p>
+          <a:p>
+            <a:pPr marL="0" lvl="0" indent="0" algn="l" rtl="0">
+              <a:spcBef>
+                <a:spcPts val="0"/>
+              </a:spcBef>
+              <a:spcAft>
+                <a:spcPts val="0"/>
+              </a:spcAft>
+              <a:buClr>
+                <a:schemeClr val="dk1"/>
+              </a:buClr>
+              <a:buSzPts val="1100"/>
+              <a:buFont typeface="Arial"/>
+              <a:buNone/>
+            </a:pPr>
+            <a:endParaRPr sz="1100" b="1" dirty="0">
+              <a:latin typeface="Arial"/>
+              <a:ea typeface="Arial"/>
+              <a:cs typeface="Arial"/>
+              <a:sym typeface="Arial"/>
+            </a:endParaRPr>
+          </a:p>
+          <a:p>
+            <a:pPr marL="0" lvl="0" indent="0" algn="l" rtl="0">
+              <a:spcBef>
+                <a:spcPts val="0"/>
+              </a:spcBef>
+              <a:spcAft>
+                <a:spcPts val="0"/>
+              </a:spcAft>
+              <a:buNone/>
+            </a:pPr>
+            <a:r>
+              <a:rPr lang="en" sz="1100" b="1" dirty="0">
+                <a:latin typeface="Arial"/>
+                <a:ea typeface="Arial"/>
+                <a:cs typeface="Arial"/>
+                <a:sym typeface="Arial"/>
+              </a:rPr>
+              <a:t>Group variables (</a:t>
+            </a:r>
+            <a:r>
+              <a:rPr lang="en" sz="1100" b="1" dirty="0">
+                <a:solidFill>
+                  <a:srgbClr val="188038"/>
+                </a:solidFill>
+                <a:latin typeface="Roboto Mono"/>
+                <a:ea typeface="Roboto Mono"/>
+                <a:cs typeface="Roboto Mono"/>
+                <a:sym typeface="Roboto Mono"/>
+              </a:rPr>
+              <a:t>group_</a:t>
+            </a:r>
+            <a:r>
+              <a:rPr lang="en" sz="1100" b="1">
+                <a:solidFill>
+                  <a:srgbClr val="188038"/>
+                </a:solidFill>
+                <a:latin typeface="Roboto Mono"/>
+                <a:ea typeface="Roboto Mono"/>
+                <a:cs typeface="Roboto Mono"/>
+                <a:sym typeface="Roboto Mono"/>
+              </a:rPr>
+              <a:t>vars</a:t>
+            </a:r>
+            <a:r>
               <a:rPr lang="en" sz="1100" b="1">
                 <a:latin typeface="Arial"/>
                 <a:ea typeface="Arial"/>
                 <a:cs typeface="Arial"/>
                 <a:sym typeface="Arial"/>
               </a:rPr>
-              <a:t>Command-line variables (</a:t>
-            </a:r>
-            <a:r>
-              <a:rPr lang="en" sz="1100" b="1">
-                <a:solidFill>
-                  <a:srgbClr val="188038"/>
-                </a:solidFill>
-                <a:latin typeface="Roboto Mono"/>
-                <a:ea typeface="Roboto Mono"/>
-                <a:cs typeface="Roboto Mono"/>
-                <a:sym typeface="Roboto Mono"/>
-              </a:rPr>
-              <a:t>--extra-vars</a:t>
-            </a:r>
-            <a:r>
-              <a:rPr lang="en" sz="1100" b="1">
-                <a:latin typeface="Arial"/>
-                <a:ea typeface="Arial"/>
-                <a:cs typeface="Arial"/>
-                <a:sym typeface="Arial"/>
-              </a:rPr>
-              <a:t>)</a:t>
-            </a:r>
-            <a:r>
-              <a:rPr lang="en" sz="1100">
-                <a:latin typeface="Arial"/>
-                <a:ea typeface="Arial"/>
-                <a:cs typeface="Arial"/>
-                <a:sym typeface="Arial"/>
-              </a:rPr>
-              <a:t> – Highest precedence</a:t>
-            </a:r>
-            <a:endParaRPr sz="1100">
+              <a:t>) // Best place to define the variables</a:t>
+            </a:r>
+            <a:endParaRPr sz="1100" b="1" dirty="0">
               <a:latin typeface="Arial"/>
               <a:ea typeface="Arial"/>
               <a:cs typeface="Arial"/>
@@ -25625,7 +25944,7 @@
               <a:buFont typeface="Arial"/>
               <a:buNone/>
             </a:pPr>
-            <a:endParaRPr sz="1100">
+            <a:endParaRPr sz="1100" b="1" dirty="0">
               <a:latin typeface="Arial"/>
               <a:ea typeface="Arial"/>
               <a:cs typeface="Arial"/>
@@ -25643,16 +25962,16 @@
               <a:buNone/>
             </a:pPr>
             <a:r>
-              <a:rPr lang="en" sz="1100" b="1">
+              <a:rPr lang="en" sz="1100" b="1" dirty="0">
                 <a:latin typeface="Arial"/>
                 <a:ea typeface="Arial"/>
                 <a:cs typeface="Arial"/>
                 <a:sym typeface="Arial"/>
               </a:rPr>
-              <a:t>Playbook variables (</a:t>
-            </a:r>
-            <a:r>
-              <a:rPr lang="en" sz="1100" b="1">
+              <a:t>Role variables defined in </a:t>
+            </a:r>
+            <a:r>
+              <a:rPr lang="en" sz="1100" b="1" dirty="0">
                 <a:solidFill>
                   <a:srgbClr val="188038"/>
                 </a:solidFill>
@@ -25661,18 +25980,33 @@
                 <a:cs typeface="Roboto Mono"/>
                 <a:sym typeface="Roboto Mono"/>
               </a:rPr>
-              <a:t>vars</a:t>
-            </a:r>
-            <a:r>
-              <a:rPr lang="en" sz="1100" b="1">
+              <a:t>vars/main.yml</a:t>
+            </a:r>
+            <a:r>
+              <a:rPr lang="en" sz="1100" dirty="0">
                 <a:latin typeface="Arial"/>
                 <a:ea typeface="Arial"/>
                 <a:cs typeface="Arial"/>
                 <a:sym typeface="Arial"/>
               </a:rPr>
-              <a:t> section)</a:t>
-            </a:r>
-            <a:endParaRPr sz="1100" b="1">
+              <a:t> (if defined in the role) // </a:t>
+            </a:r>
+            <a:r>
+              <a:rPr lang="en" sz="1100" dirty="0">
+                <a:solidFill>
+                  <a:srgbClr val="FF0000"/>
+                </a:solidFill>
+                <a:latin typeface="Arial"/>
+                <a:ea typeface="Arial"/>
+                <a:cs typeface="Arial"/>
+                <a:sym typeface="Arial"/>
+              </a:rPr>
+              <a:t>Not the best place because we want to keep the role generic without any default or override variable</a:t>
+            </a:r>
+            <a:endParaRPr sz="1100" dirty="0">
+              <a:solidFill>
+                <a:srgbClr val="FF0000"/>
+              </a:solidFill>
               <a:latin typeface="Arial"/>
               <a:ea typeface="Arial"/>
               <a:cs typeface="Arial"/>
@@ -25694,54 +26028,7 @@
               <a:buFont typeface="Arial"/>
               <a:buNone/>
             </a:pPr>
-            <a:endParaRPr sz="1100" b="1">
-              <a:latin typeface="Arial"/>
-              <a:ea typeface="Arial"/>
-              <a:cs typeface="Arial"/>
-              <a:sym typeface="Arial"/>
-            </a:endParaRPr>
-          </a:p>
-          <a:p>
-            <a:pPr marL="0" lvl="0" indent="0" algn="l" rtl="0">
-              <a:spcBef>
-                <a:spcPts val="0"/>
-              </a:spcBef>
-              <a:spcAft>
-                <a:spcPts val="0"/>
-              </a:spcAft>
-              <a:buNone/>
-            </a:pPr>
-            <a:r>
-              <a:rPr lang="en" sz="1100" b="1">
-                <a:latin typeface="Arial"/>
-                <a:ea typeface="Arial"/>
-                <a:cs typeface="Arial"/>
-                <a:sym typeface="Arial"/>
-              </a:rPr>
-              <a:t>Host variables (</a:t>
-            </a:r>
-            <a:r>
-              <a:rPr lang="en" sz="1100" b="1">
-                <a:solidFill>
-                  <a:srgbClr val="188038"/>
-                </a:solidFill>
-                <a:latin typeface="Roboto Mono"/>
-                <a:ea typeface="Roboto Mono"/>
-                <a:cs typeface="Roboto Mono"/>
-                <a:sym typeface="Roboto Mono"/>
-              </a:rPr>
-              <a:t>host_vars</a:t>
-            </a:r>
-            <a:r>
-              <a:rPr lang="en" sz="1100" b="1">
-                <a:latin typeface="Arial"/>
-                <a:ea typeface="Arial"/>
-                <a:cs typeface="Arial"/>
-                <a:sym typeface="Arial"/>
-              </a:rPr>
-              <a:t>)</a:t>
-            </a:r>
-            <a:endParaRPr sz="1100" b="1">
+            <a:endParaRPr sz="1100" dirty="0">
               <a:latin typeface="Arial"/>
               <a:ea typeface="Arial"/>
               <a:cs typeface="Arial"/>
@@ -25763,7 +26050,61 @@
               <a:buFont typeface="Arial"/>
               <a:buNone/>
             </a:pPr>
-            <a:endParaRPr sz="1100" b="1">
+            <a:r>
+              <a:rPr lang="en" sz="1100" b="1" dirty="0">
+                <a:latin typeface="Arial"/>
+                <a:ea typeface="Arial"/>
+                <a:cs typeface="Arial"/>
+                <a:sym typeface="Arial"/>
+              </a:rPr>
+              <a:t>Role defaults (</a:t>
+            </a:r>
+            <a:r>
+              <a:rPr lang="en" sz="1100" b="1" dirty="0">
+                <a:solidFill>
+                  <a:srgbClr val="188038"/>
+                </a:solidFill>
+                <a:latin typeface="Roboto Mono"/>
+                <a:ea typeface="Roboto Mono"/>
+                <a:cs typeface="Roboto Mono"/>
+                <a:sym typeface="Roboto Mono"/>
+              </a:rPr>
+              <a:t>defaults/main.yml</a:t>
+            </a:r>
+            <a:r>
+              <a:rPr lang="en" sz="1100" b="1" dirty="0">
+                <a:latin typeface="Arial"/>
+                <a:ea typeface="Arial"/>
+                <a:cs typeface="Arial"/>
+                <a:sym typeface="Arial"/>
+              </a:rPr>
+              <a:t>)</a:t>
+            </a:r>
+            <a:r>
+              <a:rPr lang="en" sz="1100" dirty="0">
+                <a:latin typeface="Arial"/>
+                <a:ea typeface="Arial"/>
+                <a:cs typeface="Arial"/>
+                <a:sym typeface="Arial"/>
+              </a:rPr>
+              <a:t> – Lowest precedence // </a:t>
+            </a:r>
+            <a:r>
+              <a:rPr lang="en" sz="1100" dirty="0">
+                <a:solidFill>
+                  <a:srgbClr val="FF0000"/>
+                </a:solidFill>
+                <a:latin typeface="Arial"/>
+                <a:ea typeface="Arial"/>
+                <a:cs typeface="Arial"/>
+                <a:sym typeface="Arial"/>
+              </a:rPr>
+              <a:t>Not the best place because we want to keep the role generic without any default or override variable</a:t>
+            </a:r>
+            <a:endParaRPr sz="1100" dirty="0">
+              <a:solidFill>
+                <a:srgbClr val="FF0000"/>
+              </a:solidFill>
               <a:latin typeface="Arial"/>
               <a:ea typeface="Arial"/>
               <a:cs typeface="Arial"/>
@@ -25771,205 +26112,6 @@
             </a:endParaRPr>
           </a:p>
           <a:p>
-            <a:pPr marL="0" lvl="0" indent="0" algn="l" rtl="0">
-              <a:spcBef>
-                <a:spcPts val="0"/>
-              </a:spcBef>
-              <a:spcAft>
-                <a:spcPts val="0"/>
-              </a:spcAft>
-              <a:buNone/>
-            </a:pPr>
-            <a:r>
-              <a:rPr lang="en" sz="1100" b="1">
-                <a:latin typeface="Arial"/>
-                <a:ea typeface="Arial"/>
-                <a:cs typeface="Arial"/>
-                <a:sym typeface="Arial"/>
-              </a:rPr>
-              <a:t>Group variables (</a:t>
-            </a:r>
-            <a:r>
-              <a:rPr lang="en" sz="1100" b="1">
-                <a:solidFill>
-                  <a:srgbClr val="188038"/>
-                </a:solidFill>
-                <a:latin typeface="Roboto Mono"/>
-                <a:ea typeface="Roboto Mono"/>
-                <a:cs typeface="Roboto Mono"/>
-                <a:sym typeface="Roboto Mono"/>
-              </a:rPr>
-              <a:t>group_vars</a:t>
-            </a:r>
-            <a:r>
-              <a:rPr lang="en" sz="1100" b="1">
-                <a:latin typeface="Arial"/>
-                <a:ea typeface="Arial"/>
-                <a:cs typeface="Arial"/>
-                <a:sym typeface="Arial"/>
-              </a:rPr>
-              <a:t>)</a:t>
-            </a:r>
-            <a:endParaRPr sz="1100" b="1">
-              <a:latin typeface="Arial"/>
-              <a:ea typeface="Arial"/>
-              <a:cs typeface="Arial"/>
-              <a:sym typeface="Arial"/>
-            </a:endParaRPr>
-          </a:p>
-          <a:p>
-            <a:pPr marL="0" lvl="0" indent="0" algn="l" rtl="0">
-              <a:spcBef>
-                <a:spcPts val="0"/>
-              </a:spcBef>
-              <a:spcAft>
-                <a:spcPts val="0"/>
-              </a:spcAft>
-              <a:buClr>
-                <a:schemeClr val="dk1"/>
-              </a:buClr>
-              <a:buSzPts val="1100"/>
-              <a:buFont typeface="Arial"/>
-              <a:buNone/>
-            </a:pPr>
-            <a:endParaRPr sz="1100" b="1">
-              <a:latin typeface="Arial"/>
-              <a:ea typeface="Arial"/>
-              <a:cs typeface="Arial"/>
-              <a:sym typeface="Arial"/>
-            </a:endParaRPr>
-          </a:p>
-          <a:p>
-            <a:pPr marL="0" lvl="0" indent="0" algn="l" rtl="0">
-              <a:spcBef>
-                <a:spcPts val="0"/>
-              </a:spcBef>
-              <a:spcAft>
-                <a:spcPts val="0"/>
-              </a:spcAft>
-              <a:buNone/>
-            </a:pPr>
-            <a:r>
-              <a:rPr lang="en" sz="1100" b="1">
-                <a:latin typeface="Arial"/>
-                <a:ea typeface="Arial"/>
-                <a:cs typeface="Arial"/>
-                <a:sym typeface="Arial"/>
-              </a:rPr>
-              <a:t>Role variables defined in </a:t>
-            </a:r>
-            <a:r>
-              <a:rPr lang="en" sz="1100" b="1">
-                <a:solidFill>
-                  <a:srgbClr val="188038"/>
-                </a:solidFill>
-                <a:latin typeface="Roboto Mono"/>
-                <a:ea typeface="Roboto Mono"/>
-                <a:cs typeface="Roboto Mono"/>
-                <a:sym typeface="Roboto Mono"/>
-              </a:rPr>
-              <a:t>vars/main.yml</a:t>
-            </a:r>
-            <a:r>
-              <a:rPr lang="en" sz="1100">
-                <a:latin typeface="Arial"/>
-                <a:ea typeface="Arial"/>
-                <a:cs typeface="Arial"/>
-                <a:sym typeface="Arial"/>
-              </a:rPr>
-              <a:t> (if defined in the role)</a:t>
-            </a:r>
-            <a:endParaRPr sz="1100">
-              <a:latin typeface="Arial"/>
-              <a:ea typeface="Arial"/>
-              <a:cs typeface="Arial"/>
-              <a:sym typeface="Arial"/>
-            </a:endParaRPr>
-          </a:p>
-          <a:p>
-            <a:pPr marL="0" lvl="0" indent="0" algn="l" rtl="0">
-              <a:spcBef>
-                <a:spcPts val="0"/>
-              </a:spcBef>
-              <a:spcAft>
-                <a:spcPts val="0"/>
-              </a:spcAft>
-              <a:buClr>
-                <a:schemeClr val="dk1"/>
-              </a:buClr>
-              <a:buSzPts val="1100"/>
-              <a:buFont typeface="Arial"/>
-              <a:buNone/>
-            </a:pPr>
-            <a:endParaRPr sz="1100">
-              <a:latin typeface="Arial"/>
-              <a:ea typeface="Arial"/>
-              <a:cs typeface="Arial"/>
-              <a:sym typeface="Arial"/>
-            </a:endParaRPr>
-          </a:p>
-          <a:p>
-            <a:pPr marL="0" lvl="0" indent="0" algn="l" rtl="0">
-              <a:spcBef>
-                <a:spcPts val="0"/>
-              </a:spcBef>
-              <a:spcAft>
-                <a:spcPts val="0"/>
-              </a:spcAft>
-              <a:buClr>
-                <a:schemeClr val="dk1"/>
-              </a:buClr>
-              <a:buSzPts val="1100"/>
-              <a:buFont typeface="Arial"/>
-              <a:buNone/>
-            </a:pPr>
-            <a:r>
-              <a:rPr lang="en" sz="1100" b="1">
-                <a:latin typeface="Arial"/>
-                <a:ea typeface="Arial"/>
-                <a:cs typeface="Arial"/>
-                <a:sym typeface="Arial"/>
-              </a:rPr>
-              <a:t>Role defaults (</a:t>
-            </a:r>
-            <a:r>
-              <a:rPr lang="en" sz="1100" b="1">
-                <a:solidFill>
-                  <a:srgbClr val="188038"/>
-                </a:solidFill>
-                <a:latin typeface="Roboto Mono"/>
-                <a:ea typeface="Roboto Mono"/>
-                <a:cs typeface="Roboto Mono"/>
-                <a:sym typeface="Roboto Mono"/>
-              </a:rPr>
-              <a:t>defaults/main.yml</a:t>
-            </a:r>
-            <a:r>
-              <a:rPr lang="en" sz="1100" b="1">
-                <a:latin typeface="Arial"/>
-                <a:ea typeface="Arial"/>
-                <a:cs typeface="Arial"/>
-                <a:sym typeface="Arial"/>
-              </a:rPr>
-              <a:t>)</a:t>
-            </a:r>
-            <a:r>
-              <a:rPr lang="en" sz="1100">
-                <a:latin typeface="Arial"/>
-                <a:ea typeface="Arial"/>
-                <a:cs typeface="Arial"/>
-                <a:sym typeface="Arial"/>
-              </a:rPr>
-              <a:t> – Lowest precedence</a:t>
-            </a:r>
-            <a:endParaRPr sz="1100">
-              <a:latin typeface="Arial"/>
-              <a:ea typeface="Arial"/>
-              <a:cs typeface="Arial"/>
-              <a:sym typeface="Arial"/>
-            </a:endParaRPr>
-          </a:p>
-          <a:p>
             <a:pPr marL="0" marR="0" lvl="0" indent="0" algn="l" rtl="0">
               <a:lnSpc>
                 <a:spcPct val="115000"/>
@@ -25982,7 +26124,7 @@
               </a:spcAft>
               <a:buNone/>
             </a:pPr>
-            <a:endParaRPr sz="1100" b="1">
+            <a:endParaRPr sz="1100" b="1" dirty="0">
               <a:latin typeface="Arial"/>
               <a:ea typeface="Arial"/>
               <a:cs typeface="Arial"/>
@@ -26731,22 +26873,19 @@
                 <a:latin typeface="Arial"/>
                 <a:cs typeface="Arial"/>
               </a:rPr>
-              <a:t> apt update &amp;&amp; </a:t>
-            </a:r>
-            <a:r>
-              <a:rPr lang="en-IN" sz="1100" dirty="0" err="1">
+              <a:t> apt </a:t>
+            </a:r>
+            <a:r>
+              <a:rPr lang="en-IN" sz="1100">
                 <a:latin typeface="Arial"/>
                 <a:cs typeface="Arial"/>
               </a:rPr>
-              <a:t>sudo</a:t>
-            </a:r>
-            <a:r>
-              <a:rPr lang="en-IN" sz="1100" dirty="0">
-                <a:latin typeface="Arial"/>
-                <a:cs typeface="Arial"/>
-              </a:rPr>
-              <a:t> apt upgrade -y</a:t>
-            </a:r>
+              <a:t>update -y</a:t>
+            </a:r>
+            <a:endParaRPr lang="en-IN" sz="1100" dirty="0">
+              <a:latin typeface="Arial"/>
+              <a:cs typeface="Arial"/>
+            </a:endParaRPr>
           </a:p>
           <a:p>
             <a:pPr marL="0" lvl="0" indent="0" algn="l" rtl="0">
